--- a/docs/diagrams/FindCommandExamples.pptx
+++ b/docs/diagrams/FindCommandExamples.pptx
@@ -8,6 +8,7 @@
     <p:sldId id="256" r:id="rId2"/>
     <p:sldId id="257" r:id="rId3"/>
     <p:sldId id="259" r:id="rId4"/>
+    <p:sldId id="260" r:id="rId5"/>
   </p:sldIdLst>
   <p:sldSz cx="12192000" cy="6858000"/>
   <p:notesSz cx="6858000" cy="9144000"/>
@@ -106,6 +107,11 @@
       </a:defRPr>
     </a:lvl9pPr>
   </p:defaultTextStyle>
+  <p:extLst>
+    <p:ext uri="{EFAFB233-063F-42B5-8137-9DF3F51BA10A}">
+      <p15:sldGuideLst xmlns:p15="http://schemas.microsoft.com/office/powerpoint/2012/main"/>
+    </p:ext>
+  </p:extLst>
 </p:presentation>
 </file>
 
@@ -3688,13 +3694,14 @@
           </p:cNvPr>
           <p:cNvCxnSpPr>
             <a:cxnSpLocks/>
+            <a:endCxn id="4" idx="1"/>
           </p:cNvCxnSpPr>
           <p:nvPr/>
         </p:nvCxnSpPr>
         <p:spPr>
-          <a:xfrm>
-            <a:off x="4562475" y="3429000"/>
-            <a:ext cx="1785571" cy="0"/>
+          <a:xfrm flipV="1">
+            <a:off x="4562475" y="3428999"/>
+            <a:ext cx="1324710" cy="2"/>
           </a:xfrm>
           <a:prstGeom prst="straightConnector1">
             <a:avLst/>
@@ -3720,10 +3727,10 @@
       </p:cxnSp>
       <p:pic>
         <p:nvPicPr>
-          <p:cNvPr id="2" name="Image 1">
-            <a:extLst>
-              <a:ext uri="{FF2B5EF4-FFF2-40B4-BE49-F238E27FC236}">
-                <a16:creationId xmlns:a16="http://schemas.microsoft.com/office/drawing/2014/main" id="{004D9151-22D1-4232-849C-D7FD0F348FAE}"/>
+          <p:cNvPr id="3" name="Image 2">
+            <a:extLst>
+              <a:ext uri="{FF2B5EF4-FFF2-40B4-BE49-F238E27FC236}">
+                <a16:creationId xmlns:a16="http://schemas.microsoft.com/office/drawing/2014/main" id="{23420A81-ACB0-4370-A2C0-9CB3B3717E4C}"/>
               </a:ext>
             </a:extLst>
           </p:cNvPr>
@@ -3740,8 +3747,8 @@
         </p:blipFill>
         <p:spPr>
           <a:xfrm>
-            <a:off x="6348046" y="609600"/>
-            <a:ext cx="3810000" cy="5638800"/>
+            <a:off x="4605705" y="2863361"/>
+            <a:ext cx="1238250" cy="495300"/>
           </a:xfrm>
           <a:prstGeom prst="rect">
             <a:avLst/>
@@ -3750,10 +3757,10 @@
       </p:pic>
       <p:pic>
         <p:nvPicPr>
-          <p:cNvPr id="3" name="Image 2">
-            <a:extLst>
-              <a:ext uri="{FF2B5EF4-FFF2-40B4-BE49-F238E27FC236}">
-                <a16:creationId xmlns:a16="http://schemas.microsoft.com/office/drawing/2014/main" id="{23420A81-ACB0-4370-A2C0-9CB3B3717E4C}"/>
+          <p:cNvPr id="4" name="Image 3">
+            <a:extLst>
+              <a:ext uri="{FF2B5EF4-FFF2-40B4-BE49-F238E27FC236}">
+                <a16:creationId xmlns:a16="http://schemas.microsoft.com/office/drawing/2014/main" id="{30678D48-F61C-49DB-B587-AF9435157DCC}"/>
               </a:ext>
             </a:extLst>
           </p:cNvPr>
@@ -3770,8 +3777,110 @@
         </p:blipFill>
         <p:spPr>
           <a:xfrm>
-            <a:off x="4857750" y="2863361"/>
-            <a:ext cx="1238250" cy="495300"/>
+            <a:off x="5887185" y="600074"/>
+            <a:ext cx="3875207" cy="5657850"/>
+          </a:xfrm>
+          <a:prstGeom prst="rect">
+            <a:avLst/>
+          </a:prstGeom>
+        </p:spPr>
+      </p:pic>
+      <p:cxnSp>
+        <p:nvCxnSpPr>
+          <p:cNvPr id="8" name="Connecteur droit avec flèche 7">
+            <a:extLst>
+              <a:ext uri="{FF2B5EF4-FFF2-40B4-BE49-F238E27FC236}">
+                <a16:creationId xmlns:a16="http://schemas.microsoft.com/office/drawing/2014/main" id="{17A68EE2-B6BE-4A86-813A-F32027A18A48}"/>
+              </a:ext>
+            </a:extLst>
+          </p:cNvPr>
+          <p:cNvCxnSpPr>
+            <a:cxnSpLocks/>
+            <a:stCxn id="4" idx="3"/>
+          </p:cNvCxnSpPr>
+          <p:nvPr/>
+        </p:nvCxnSpPr>
+        <p:spPr>
+          <a:xfrm>
+            <a:off x="9762392" y="3428999"/>
+            <a:ext cx="1192823" cy="0"/>
+          </a:xfrm>
+          <a:prstGeom prst="straightConnector1">
+            <a:avLst/>
+          </a:prstGeom>
+          <a:ln>
+            <a:tailEnd type="triangle"/>
+          </a:ln>
+        </p:spPr>
+        <p:style>
+          <a:lnRef idx="3">
+            <a:schemeClr val="dk1"/>
+          </a:lnRef>
+          <a:fillRef idx="0">
+            <a:schemeClr val="dk1"/>
+          </a:fillRef>
+          <a:effectRef idx="2">
+            <a:schemeClr val="dk1"/>
+          </a:effectRef>
+          <a:fontRef idx="minor">
+            <a:schemeClr val="tx1"/>
+          </a:fontRef>
+        </p:style>
+      </p:cxnSp>
+      <p:pic>
+        <p:nvPicPr>
+          <p:cNvPr id="6" name="Image 5">
+            <a:extLst>
+              <a:ext uri="{FF2B5EF4-FFF2-40B4-BE49-F238E27FC236}">
+                <a16:creationId xmlns:a16="http://schemas.microsoft.com/office/drawing/2014/main" id="{DEC1E11D-DE97-40E7-A4BF-45EE2BB5B924}"/>
+              </a:ext>
+            </a:extLst>
+          </p:cNvPr>
+          <p:cNvPicPr>
+            <a:picLocks noChangeAspect="1"/>
+          </p:cNvPicPr>
+          <p:nvPr/>
+        </p:nvPicPr>
+        <p:blipFill>
+          <a:blip r:embed="rId5"/>
+          <a:stretch>
+            <a:fillRect/>
+          </a:stretch>
+        </p:blipFill>
+        <p:spPr>
+          <a:xfrm>
+            <a:off x="9833829" y="2863361"/>
+            <a:ext cx="1019175" cy="495300"/>
+          </a:xfrm>
+          <a:prstGeom prst="rect">
+            <a:avLst/>
+          </a:prstGeom>
+        </p:spPr>
+      </p:pic>
+      <p:pic>
+        <p:nvPicPr>
+          <p:cNvPr id="13" name="Image 12">
+            <a:extLst>
+              <a:ext uri="{FF2B5EF4-FFF2-40B4-BE49-F238E27FC236}">
+                <a16:creationId xmlns:a16="http://schemas.microsoft.com/office/drawing/2014/main" id="{934C58F1-AB80-494E-BF5F-7FE934B2DC26}"/>
+              </a:ext>
+            </a:extLst>
+          </p:cNvPr>
+          <p:cNvPicPr>
+            <a:picLocks noChangeAspect="1"/>
+          </p:cNvPicPr>
+          <p:nvPr/>
+        </p:nvPicPr>
+        <p:blipFill>
+          <a:blip r:embed="rId6"/>
+          <a:stretch>
+            <a:fillRect/>
+          </a:stretch>
+        </p:blipFill>
+        <p:spPr>
+          <a:xfrm>
+            <a:off x="10955215" y="636191"/>
+            <a:ext cx="3848100" cy="5572125"/>
           </a:xfrm>
           <a:prstGeom prst="rect">
             <a:avLst/>
@@ -3782,6 +3891,272 @@
     <p:extLst>
       <p:ext uri="{BB962C8B-B14F-4D97-AF65-F5344CB8AC3E}">
         <p14:creationId xmlns:p14="http://schemas.microsoft.com/office/powerpoint/2010/main" val="3548930663"/>
+      </p:ext>
+    </p:extLst>
+  </p:cSld>
+  <p:clrMapOvr>
+    <a:masterClrMapping/>
+  </p:clrMapOvr>
+</p:sld>
+</file>
+
+<file path=ppt/slides/slide4.xml><?xml version="1.0" encoding="utf-8"?>
+<p:sld xmlns:a="http://schemas.openxmlformats.org/drawingml/2006/main" xmlns:r="http://schemas.openxmlformats.org/officeDocument/2006/relationships" xmlns:p="http://schemas.openxmlformats.org/presentationml/2006/main">
+  <p:cSld>
+    <p:spTree>
+      <p:nvGrpSpPr>
+        <p:cNvPr id="1" name=""/>
+        <p:cNvGrpSpPr/>
+        <p:nvPr/>
+      </p:nvGrpSpPr>
+      <p:grpSpPr>
+        <a:xfrm>
+          <a:off x="0" y="0"/>
+          <a:ext cx="0" cy="0"/>
+          <a:chOff x="0" y="0"/>
+          <a:chExt cx="0" cy="0"/>
+        </a:xfrm>
+      </p:grpSpPr>
+      <p:pic>
+        <p:nvPicPr>
+          <p:cNvPr id="5" name="Image 4">
+            <a:extLst>
+              <a:ext uri="{FF2B5EF4-FFF2-40B4-BE49-F238E27FC236}">
+                <a16:creationId xmlns:a16="http://schemas.microsoft.com/office/drawing/2014/main" id="{EE4A9CD8-621F-4DEC-A885-985A0D515D24}"/>
+              </a:ext>
+            </a:extLst>
+          </p:cNvPr>
+          <p:cNvPicPr>
+            <a:picLocks noChangeAspect="1"/>
+          </p:cNvPicPr>
+          <p:nvPr/>
+        </p:nvPicPr>
+        <p:blipFill>
+          <a:blip r:embed="rId2"/>
+          <a:stretch>
+            <a:fillRect/>
+          </a:stretch>
+        </p:blipFill>
+        <p:spPr>
+          <a:xfrm>
+            <a:off x="4816900" y="533400"/>
+            <a:ext cx="3638550" cy="5791200"/>
+          </a:xfrm>
+          <a:prstGeom prst="rect">
+            <a:avLst/>
+          </a:prstGeom>
+        </p:spPr>
+      </p:pic>
+      <p:pic>
+        <p:nvPicPr>
+          <p:cNvPr id="6" name="Image 5">
+            <a:extLst>
+              <a:ext uri="{FF2B5EF4-FFF2-40B4-BE49-F238E27FC236}">
+                <a16:creationId xmlns:a16="http://schemas.microsoft.com/office/drawing/2014/main" id="{6EF3B08A-44BF-4D4E-BED9-282870E73426}"/>
+              </a:ext>
+            </a:extLst>
+          </p:cNvPr>
+          <p:cNvPicPr>
+            <a:picLocks noChangeAspect="1"/>
+          </p:cNvPicPr>
+          <p:nvPr/>
+        </p:nvPicPr>
+        <p:blipFill>
+          <a:blip r:embed="rId3"/>
+          <a:stretch>
+            <a:fillRect/>
+          </a:stretch>
+        </p:blipFill>
+        <p:spPr>
+          <a:xfrm>
+            <a:off x="3669309" y="2895604"/>
+            <a:ext cx="1038225" cy="466725"/>
+          </a:xfrm>
+          <a:prstGeom prst="rect">
+            <a:avLst/>
+          </a:prstGeom>
+        </p:spPr>
+      </p:pic>
+      <p:cxnSp>
+        <p:nvCxnSpPr>
+          <p:cNvPr id="7" name="Connecteur droit avec flèche 6">
+            <a:extLst>
+              <a:ext uri="{FF2B5EF4-FFF2-40B4-BE49-F238E27FC236}">
+                <a16:creationId xmlns:a16="http://schemas.microsoft.com/office/drawing/2014/main" id="{3F45BE45-FAE8-4BF5-A50B-B2CF31D2E668}"/>
+              </a:ext>
+            </a:extLst>
+          </p:cNvPr>
+          <p:cNvCxnSpPr>
+            <a:cxnSpLocks/>
+            <a:stCxn id="8" idx="3"/>
+            <a:endCxn id="5" idx="1"/>
+          </p:cNvCxnSpPr>
+          <p:nvPr/>
+        </p:nvCxnSpPr>
+        <p:spPr>
+          <a:xfrm>
+            <a:off x="3559943" y="3429000"/>
+            <a:ext cx="1256957" cy="0"/>
+          </a:xfrm>
+          <a:prstGeom prst="straightConnector1">
+            <a:avLst/>
+          </a:prstGeom>
+          <a:ln>
+            <a:tailEnd type="triangle"/>
+          </a:ln>
+        </p:spPr>
+        <p:style>
+          <a:lnRef idx="3">
+            <a:schemeClr val="dk1"/>
+          </a:lnRef>
+          <a:fillRef idx="0">
+            <a:schemeClr val="dk1"/>
+          </a:fillRef>
+          <a:effectRef idx="2">
+            <a:schemeClr val="dk1"/>
+          </a:effectRef>
+          <a:fontRef idx="minor">
+            <a:schemeClr val="tx1"/>
+          </a:fontRef>
+        </p:style>
+      </p:cxnSp>
+      <p:pic>
+        <p:nvPicPr>
+          <p:cNvPr id="8" name="Image 7">
+            <a:extLst>
+              <a:ext uri="{FF2B5EF4-FFF2-40B4-BE49-F238E27FC236}">
+                <a16:creationId xmlns:a16="http://schemas.microsoft.com/office/drawing/2014/main" id="{C47EF16A-6714-4D37-A8C5-2C8B91801EDC}"/>
+              </a:ext>
+            </a:extLst>
+          </p:cNvPr>
+          <p:cNvPicPr>
+            <a:picLocks noChangeAspect="1"/>
+          </p:cNvPicPr>
+          <p:nvPr/>
+        </p:nvPicPr>
+        <p:blipFill>
+          <a:blip r:embed="rId4"/>
+          <a:stretch>
+            <a:fillRect/>
+          </a:stretch>
+        </p:blipFill>
+        <p:spPr>
+          <a:xfrm>
+            <a:off x="-78607" y="600075"/>
+            <a:ext cx="3638550" cy="5657850"/>
+          </a:xfrm>
+          <a:prstGeom prst="rect">
+            <a:avLst/>
+          </a:prstGeom>
+        </p:spPr>
+      </p:pic>
+      <p:pic>
+        <p:nvPicPr>
+          <p:cNvPr id="9" name="Image 8">
+            <a:extLst>
+              <a:ext uri="{FF2B5EF4-FFF2-40B4-BE49-F238E27FC236}">
+                <a16:creationId xmlns:a16="http://schemas.microsoft.com/office/drawing/2014/main" id="{EFE7700D-CAED-44DB-9A34-DBF7263A8E62}"/>
+              </a:ext>
+            </a:extLst>
+          </p:cNvPr>
+          <p:cNvPicPr>
+            <a:picLocks noChangeAspect="1"/>
+          </p:cNvPicPr>
+          <p:nvPr/>
+        </p:nvPicPr>
+        <p:blipFill>
+          <a:blip r:embed="rId5"/>
+          <a:stretch>
+            <a:fillRect/>
+          </a:stretch>
+        </p:blipFill>
+        <p:spPr>
+          <a:xfrm>
+            <a:off x="8504724" y="2867029"/>
+            <a:ext cx="1428750" cy="495300"/>
+          </a:xfrm>
+          <a:prstGeom prst="rect">
+            <a:avLst/>
+          </a:prstGeom>
+        </p:spPr>
+      </p:pic>
+      <p:cxnSp>
+        <p:nvCxnSpPr>
+          <p:cNvPr id="10" name="Connecteur droit avec flèche 9">
+            <a:extLst>
+              <a:ext uri="{FF2B5EF4-FFF2-40B4-BE49-F238E27FC236}">
+                <a16:creationId xmlns:a16="http://schemas.microsoft.com/office/drawing/2014/main" id="{EE332542-D49D-4EA5-806F-711E12463414}"/>
+              </a:ext>
+            </a:extLst>
+          </p:cNvPr>
+          <p:cNvCxnSpPr>
+            <a:cxnSpLocks/>
+            <a:stCxn id="5" idx="3"/>
+            <a:endCxn id="11" idx="1"/>
+          </p:cNvCxnSpPr>
+          <p:nvPr/>
+        </p:nvCxnSpPr>
+        <p:spPr>
+          <a:xfrm>
+            <a:off x="8455450" y="3429000"/>
+            <a:ext cx="1527298" cy="0"/>
+          </a:xfrm>
+          <a:prstGeom prst="straightConnector1">
+            <a:avLst/>
+          </a:prstGeom>
+          <a:ln>
+            <a:tailEnd type="triangle"/>
+          </a:ln>
+        </p:spPr>
+        <p:style>
+          <a:lnRef idx="3">
+            <a:schemeClr val="dk1"/>
+          </a:lnRef>
+          <a:fillRef idx="0">
+            <a:schemeClr val="dk1"/>
+          </a:fillRef>
+          <a:effectRef idx="2">
+            <a:schemeClr val="dk1"/>
+          </a:effectRef>
+          <a:fontRef idx="minor">
+            <a:schemeClr val="tx1"/>
+          </a:fontRef>
+        </p:style>
+      </p:cxnSp>
+      <p:pic>
+        <p:nvPicPr>
+          <p:cNvPr id="11" name="Image 10">
+            <a:extLst>
+              <a:ext uri="{FF2B5EF4-FFF2-40B4-BE49-F238E27FC236}">
+                <a16:creationId xmlns:a16="http://schemas.microsoft.com/office/drawing/2014/main" id="{F60203B3-2C5D-4AD8-9106-FB00515C04A9}"/>
+              </a:ext>
+            </a:extLst>
+          </p:cNvPr>
+          <p:cNvPicPr>
+            <a:picLocks noChangeAspect="1"/>
+          </p:cNvPicPr>
+          <p:nvPr/>
+        </p:nvPicPr>
+        <p:blipFill>
+          <a:blip r:embed="rId6"/>
+          <a:stretch>
+            <a:fillRect/>
+          </a:stretch>
+        </p:blipFill>
+        <p:spPr>
+          <a:xfrm>
+            <a:off x="9982748" y="571500"/>
+            <a:ext cx="3829050" cy="5715000"/>
+          </a:xfrm>
+          <a:prstGeom prst="rect">
+            <a:avLst/>
+          </a:prstGeom>
+        </p:spPr>
+      </p:pic>
+    </p:spTree>
+    <p:extLst>
+      <p:ext uri="{BB962C8B-B14F-4D97-AF65-F5344CB8AC3E}">
+        <p14:creationId xmlns:p14="http://schemas.microsoft.com/office/powerpoint/2010/main" val="1698418742"/>
       </p:ext>
     </p:extLst>
   </p:cSld>
